--- a/Documentação/Apresentação1.pptx
+++ b/Documentação/Apresentação1.pptx
@@ -8,10 +8,14 @@
     <p:sldId id="257" r:id="rId2"/>
     <p:sldId id="256" r:id="rId3"/>
     <p:sldId id="261" r:id="rId4"/>
-    <p:sldId id="262" r:id="rId5"/>
-    <p:sldId id="258" r:id="rId6"/>
-    <p:sldId id="259" r:id="rId7"/>
-    <p:sldId id="260" r:id="rId8"/>
+    <p:sldId id="264" r:id="rId5"/>
+    <p:sldId id="265" r:id="rId6"/>
+    <p:sldId id="266" r:id="rId7"/>
+    <p:sldId id="263" r:id="rId8"/>
+    <p:sldId id="262" r:id="rId9"/>
+    <p:sldId id="258" r:id="rId10"/>
+    <p:sldId id="259" r:id="rId11"/>
+    <p:sldId id="260" r:id="rId12"/>
   </p:sldIdLst>
   <p:sldSz cx="12192000" cy="6858000"/>
   <p:notesSz cx="6858000" cy="9144000"/>
@@ -112,7 +116,7 @@
   </p:defaultTextStyle>
   <p:extLst>
     <p:ext uri="{EFAFB233-063F-42B5-8137-9DF3F51BA10A}">
-      <p15:sldGuideLst xmlns:p15="http://schemas.microsoft.com/office/powerpoint/2012/main"/>
+      <p15:sldGuideLst xmlns:p15="http://schemas.microsoft.com/office/powerpoint/2012/main" xmlns=""/>
     </p:ext>
   </p:extLst>
 </p:presentation>
@@ -289,7 +293,7 @@
           <a:p>
             <a:fld id="{187F4328-F07B-423E-9125-F6E5010B21E2}" type="slidenum">
               <a:rPr lang="pt-BR" smtClean="0"/>
-              <a:t>‹#›</a:t>
+              <a:t>‹nº›</a:t>
             </a:fld>
             <a:endParaRPr lang="pt-BR"/>
           </a:p>
@@ -457,7 +461,7 @@
           <a:p>
             <a:fld id="{187F4328-F07B-423E-9125-F6E5010B21E2}" type="slidenum">
               <a:rPr lang="pt-BR" smtClean="0"/>
-              <a:t>‹#›</a:t>
+              <a:t>‹nº›</a:t>
             </a:fld>
             <a:endParaRPr lang="pt-BR"/>
           </a:p>
@@ -635,7 +639,7 @@
           <a:p>
             <a:fld id="{187F4328-F07B-423E-9125-F6E5010B21E2}" type="slidenum">
               <a:rPr lang="pt-BR" smtClean="0"/>
-              <a:t>‹#›</a:t>
+              <a:t>‹nº›</a:t>
             </a:fld>
             <a:endParaRPr lang="pt-BR"/>
           </a:p>
@@ -803,7 +807,7 @@
           <a:p>
             <a:fld id="{187F4328-F07B-423E-9125-F6E5010B21E2}" type="slidenum">
               <a:rPr lang="pt-BR" smtClean="0"/>
-              <a:t>‹#›</a:t>
+              <a:t>‹nº›</a:t>
             </a:fld>
             <a:endParaRPr lang="pt-BR"/>
           </a:p>
@@ -1048,7 +1052,7 @@
           <a:p>
             <a:fld id="{187F4328-F07B-423E-9125-F6E5010B21E2}" type="slidenum">
               <a:rPr lang="pt-BR" smtClean="0"/>
-              <a:t>‹#›</a:t>
+              <a:t>‹nº›</a:t>
             </a:fld>
             <a:endParaRPr lang="pt-BR"/>
           </a:p>
@@ -1277,7 +1281,7 @@
           <a:p>
             <a:fld id="{187F4328-F07B-423E-9125-F6E5010B21E2}" type="slidenum">
               <a:rPr lang="pt-BR" smtClean="0"/>
-              <a:t>‹#›</a:t>
+              <a:t>‹nº›</a:t>
             </a:fld>
             <a:endParaRPr lang="pt-BR"/>
           </a:p>
@@ -1641,7 +1645,7 @@
           <a:p>
             <a:fld id="{187F4328-F07B-423E-9125-F6E5010B21E2}" type="slidenum">
               <a:rPr lang="pt-BR" smtClean="0"/>
-              <a:t>‹#›</a:t>
+              <a:t>‹nº›</a:t>
             </a:fld>
             <a:endParaRPr lang="pt-BR"/>
           </a:p>
@@ -1758,7 +1762,7 @@
           <a:p>
             <a:fld id="{187F4328-F07B-423E-9125-F6E5010B21E2}" type="slidenum">
               <a:rPr lang="pt-BR" smtClean="0"/>
-              <a:t>‹#›</a:t>
+              <a:t>‹nº›</a:t>
             </a:fld>
             <a:endParaRPr lang="pt-BR"/>
           </a:p>
@@ -1853,7 +1857,7 @@
           <a:p>
             <a:fld id="{187F4328-F07B-423E-9125-F6E5010B21E2}" type="slidenum">
               <a:rPr lang="pt-BR" smtClean="0"/>
-              <a:t>‹#›</a:t>
+              <a:t>‹nº›</a:t>
             </a:fld>
             <a:endParaRPr lang="pt-BR"/>
           </a:p>
@@ -2128,7 +2132,7 @@
           <a:p>
             <a:fld id="{187F4328-F07B-423E-9125-F6E5010B21E2}" type="slidenum">
               <a:rPr lang="pt-BR" smtClean="0"/>
-              <a:t>‹#›</a:t>
+              <a:t>‹nº›</a:t>
             </a:fld>
             <a:endParaRPr lang="pt-BR"/>
           </a:p>
@@ -2380,7 +2384,7 @@
           <a:p>
             <a:fld id="{187F4328-F07B-423E-9125-F6E5010B21E2}" type="slidenum">
               <a:rPr lang="pt-BR" smtClean="0"/>
-              <a:t>‹#›</a:t>
+              <a:t>‹nº›</a:t>
             </a:fld>
             <a:endParaRPr lang="pt-BR"/>
           </a:p>
@@ -2627,7 +2631,7 @@
           <a:p>
             <a:fld id="{187F4328-F07B-423E-9125-F6E5010B21E2}" type="slidenum">
               <a:rPr lang="pt-BR" smtClean="0"/>
-              <a:t>‹#›</a:t>
+              <a:t>‹nº›</a:t>
             </a:fld>
             <a:endParaRPr lang="pt-BR"/>
           </a:p>
@@ -2996,6 +3000,274 @@
 </p:sld>
 </file>
 
+<file path=ppt/slides/slide10.xml><?xml version="1.0" encoding="utf-8"?>
+<p:sld xmlns:a="http://schemas.openxmlformats.org/drawingml/2006/main" xmlns:r="http://schemas.openxmlformats.org/officeDocument/2006/relationships" xmlns:p="http://schemas.openxmlformats.org/presentationml/2006/main">
+  <p:cSld>
+    <p:spTree>
+      <p:nvGrpSpPr>
+        <p:cNvPr id="1" name=""/>
+        <p:cNvGrpSpPr/>
+        <p:nvPr/>
+      </p:nvGrpSpPr>
+      <p:grpSpPr>
+        <a:xfrm>
+          <a:off x="0" y="0"/>
+          <a:ext cx="0" cy="0"/>
+          <a:chOff x="0" y="0"/>
+          <a:chExt cx="0" cy="0"/>
+        </a:xfrm>
+      </p:grpSpPr>
+      <p:sp>
+        <p:nvSpPr>
+          <p:cNvPr id="4" name="Retângulo 3"/>
+          <p:cNvSpPr/>
+          <p:nvPr/>
+        </p:nvSpPr>
+        <p:spPr>
+          <a:xfrm>
+            <a:off x="0" y="0"/>
+            <a:ext cx="12192000" cy="6858000"/>
+          </a:xfrm>
+          <a:prstGeom prst="rect">
+            <a:avLst/>
+          </a:prstGeom>
+          <a:solidFill>
+            <a:schemeClr val="tx1"/>
+          </a:solidFill>
+          <a:ln>
+            <a:solidFill>
+              <a:schemeClr val="tx1"/>
+            </a:solidFill>
+          </a:ln>
+        </p:spPr>
+        <p:style>
+          <a:lnRef idx="2">
+            <a:schemeClr val="accent1">
+              <a:shade val="50000"/>
+            </a:schemeClr>
+          </a:lnRef>
+          <a:fillRef idx="1">
+            <a:schemeClr val="accent1"/>
+          </a:fillRef>
+          <a:effectRef idx="0">
+            <a:schemeClr val="accent1"/>
+          </a:effectRef>
+          <a:fontRef idx="minor">
+            <a:schemeClr val="lt1"/>
+          </a:fontRef>
+        </p:style>
+        <p:txBody>
+          <a:bodyPr rtlCol="0" anchor="ctr"/>
+          <a:lstStyle/>
+          <a:p>
+            <a:pPr algn="ctr"/>
+            <a:endParaRPr lang="pt-BR"/>
+          </a:p>
+        </p:txBody>
+      </p:sp>
+      <p:pic>
+        <p:nvPicPr>
+          <p:cNvPr id="2" name="Imagem 1"/>
+          <p:cNvPicPr>
+            <a:picLocks noChangeAspect="1"/>
+          </p:cNvPicPr>
+          <p:nvPr/>
+        </p:nvPicPr>
+        <p:blipFill>
+          <a:blip r:embed="rId2">
+            <a:extLst>
+              <a:ext uri="{28A0092B-C50C-407E-A947-70E740481C1C}">
+                <a14:useLocalDpi xmlns:a14="http://schemas.microsoft.com/office/drawing/2010/main" val="0"/>
+              </a:ext>
+            </a:extLst>
+          </a:blip>
+          <a:stretch>
+            <a:fillRect/>
+          </a:stretch>
+        </p:blipFill>
+        <p:spPr>
+          <a:xfrm>
+            <a:off x="1994915" y="728285"/>
+            <a:ext cx="8202170" cy="5401429"/>
+          </a:xfrm>
+          <a:prstGeom prst="rect">
+            <a:avLst/>
+          </a:prstGeom>
+          <a:ln w="190500" cap="sq">
+            <a:solidFill>
+              <a:srgbClr val="C8C6BD"/>
+            </a:solidFill>
+            <a:prstDash val="solid"/>
+            <a:miter lim="800000"/>
+          </a:ln>
+          <a:effectLst>
+            <a:outerShdw blurRad="254000" algn="bl" rotWithShape="0">
+              <a:srgbClr val="000000">
+                <a:alpha val="43000"/>
+              </a:srgbClr>
+            </a:outerShdw>
+          </a:effectLst>
+          <a:scene3d>
+            <a:camera prst="perspectiveFront" fov="5400000"/>
+            <a:lightRig rig="threePt" dir="t">
+              <a:rot lat="0" lon="0" rev="2100000"/>
+            </a:lightRig>
+          </a:scene3d>
+          <a:sp3d extrusionH="25400">
+            <a:bevelT w="304800" h="152400" prst="hardEdge"/>
+            <a:extrusionClr>
+              <a:srgbClr val="000000"/>
+            </a:extrusionClr>
+          </a:sp3d>
+        </p:spPr>
+      </p:pic>
+    </p:spTree>
+    <p:extLst>
+      <p:ext uri="{BB962C8B-B14F-4D97-AF65-F5344CB8AC3E}">
+        <p14:creationId xmlns:p14="http://schemas.microsoft.com/office/powerpoint/2010/main" val="2938301134"/>
+      </p:ext>
+    </p:extLst>
+  </p:cSld>
+  <p:clrMapOvr>
+    <a:masterClrMapping/>
+  </p:clrMapOvr>
+</p:sld>
+</file>
+
+<file path=ppt/slides/slide11.xml><?xml version="1.0" encoding="utf-8"?>
+<p:sld xmlns:a="http://schemas.openxmlformats.org/drawingml/2006/main" xmlns:r="http://schemas.openxmlformats.org/officeDocument/2006/relationships" xmlns:p="http://schemas.openxmlformats.org/presentationml/2006/main">
+  <p:cSld>
+    <p:spTree>
+      <p:nvGrpSpPr>
+        <p:cNvPr id="1" name=""/>
+        <p:cNvGrpSpPr/>
+        <p:nvPr/>
+      </p:nvGrpSpPr>
+      <p:grpSpPr>
+        <a:xfrm>
+          <a:off x="0" y="0"/>
+          <a:ext cx="0" cy="0"/>
+          <a:chOff x="0" y="0"/>
+          <a:chExt cx="0" cy="0"/>
+        </a:xfrm>
+      </p:grpSpPr>
+      <p:sp>
+        <p:nvSpPr>
+          <p:cNvPr id="4" name="Retângulo 3"/>
+          <p:cNvSpPr/>
+          <p:nvPr/>
+        </p:nvSpPr>
+        <p:spPr>
+          <a:xfrm>
+            <a:off x="0" y="0"/>
+            <a:ext cx="12192000" cy="6858000"/>
+          </a:xfrm>
+          <a:prstGeom prst="rect">
+            <a:avLst/>
+          </a:prstGeom>
+          <a:solidFill>
+            <a:schemeClr val="tx1"/>
+          </a:solidFill>
+          <a:ln>
+            <a:solidFill>
+              <a:schemeClr val="tx1"/>
+            </a:solidFill>
+          </a:ln>
+        </p:spPr>
+        <p:style>
+          <a:lnRef idx="2">
+            <a:schemeClr val="accent1">
+              <a:shade val="50000"/>
+            </a:schemeClr>
+          </a:lnRef>
+          <a:fillRef idx="1">
+            <a:schemeClr val="accent1"/>
+          </a:fillRef>
+          <a:effectRef idx="0">
+            <a:schemeClr val="accent1"/>
+          </a:effectRef>
+          <a:fontRef idx="minor">
+            <a:schemeClr val="lt1"/>
+          </a:fontRef>
+        </p:style>
+        <p:txBody>
+          <a:bodyPr rtlCol="0" anchor="ctr"/>
+          <a:lstStyle/>
+          <a:p>
+            <a:pPr algn="ctr"/>
+            <a:endParaRPr lang="pt-BR"/>
+          </a:p>
+        </p:txBody>
+      </p:sp>
+      <p:pic>
+        <p:nvPicPr>
+          <p:cNvPr id="2" name="Imagem 1"/>
+          <p:cNvPicPr>
+            <a:picLocks noChangeAspect="1"/>
+          </p:cNvPicPr>
+          <p:nvPr/>
+        </p:nvPicPr>
+        <p:blipFill>
+          <a:blip r:embed="rId2">
+            <a:extLst>
+              <a:ext uri="{28A0092B-C50C-407E-A947-70E740481C1C}">
+                <a14:useLocalDpi xmlns:a14="http://schemas.microsoft.com/office/drawing/2010/main" val="0"/>
+              </a:ext>
+            </a:extLst>
+          </a:blip>
+          <a:stretch>
+            <a:fillRect/>
+          </a:stretch>
+        </p:blipFill>
+        <p:spPr>
+          <a:xfrm>
+            <a:off x="2194968" y="794970"/>
+            <a:ext cx="7802064" cy="5268060"/>
+          </a:xfrm>
+          <a:prstGeom prst="rect">
+            <a:avLst/>
+          </a:prstGeom>
+          <a:ln w="190500" cap="sq">
+            <a:solidFill>
+              <a:srgbClr val="C8C6BD"/>
+            </a:solidFill>
+            <a:prstDash val="solid"/>
+            <a:miter lim="800000"/>
+          </a:ln>
+          <a:effectLst>
+            <a:outerShdw blurRad="254000" algn="bl" rotWithShape="0">
+              <a:srgbClr val="000000">
+                <a:alpha val="43000"/>
+              </a:srgbClr>
+            </a:outerShdw>
+          </a:effectLst>
+          <a:scene3d>
+            <a:camera prst="perspectiveFront" fov="5400000"/>
+            <a:lightRig rig="threePt" dir="t">
+              <a:rot lat="0" lon="0" rev="2100000"/>
+            </a:lightRig>
+          </a:scene3d>
+          <a:sp3d extrusionH="25400">
+            <a:bevelT w="304800" h="152400" prst="hardEdge"/>
+            <a:extrusionClr>
+              <a:srgbClr val="000000"/>
+            </a:extrusionClr>
+          </a:sp3d>
+        </p:spPr>
+      </p:pic>
+    </p:spTree>
+    <p:extLst>
+      <p:ext uri="{BB962C8B-B14F-4D97-AF65-F5344CB8AC3E}">
+        <p14:creationId xmlns:p14="http://schemas.microsoft.com/office/powerpoint/2010/main" val="2217880322"/>
+      </p:ext>
+    </p:extLst>
+  </p:cSld>
+  <p:clrMapOvr>
+    <a:masterClrMapping/>
+  </p:clrMapOvr>
+</p:sld>
+</file>
+
 <file path=ppt/slides/slide2.xml><?xml version="1.0" encoding="utf-8"?>
 <p:sld xmlns:a="http://schemas.openxmlformats.org/drawingml/2006/main" xmlns:r="http://schemas.openxmlformats.org/officeDocument/2006/relationships" xmlns:p="http://schemas.openxmlformats.org/presentationml/2006/main">
   <p:cSld>
@@ -3121,15 +3393,54 @@
           </a:p>
         </p:txBody>
       </p:sp>
-      <p:pic>
-        <p:nvPicPr>
-          <p:cNvPr id="5" name="Picture 4" descr="A close up of a map&#10;&#10;Description automatically generated">
+      <p:sp>
+        <p:nvSpPr>
+          <p:cNvPr id="6" name="TextBox 5">
             <a:extLst>
               <a:ext uri="{FF2B5EF4-FFF2-40B4-BE49-F238E27FC236}">
-                <a16:creationId xmlns:a16="http://schemas.microsoft.com/office/drawing/2014/main" id="{79835C6B-0333-4A6D-A066-CE9D76570976}"/>
+                <a16:creationId xmlns:a16="http://schemas.microsoft.com/office/drawing/2014/main" xmlns="" id="{60406AC7-667D-4EB5-816E-F66F7E353017}"/>
               </a:ext>
             </a:extLst>
           </p:cNvPr>
+          <p:cNvSpPr txBox="1"/>
+          <p:nvPr/>
+        </p:nvSpPr>
+        <p:spPr>
+          <a:xfrm>
+            <a:off x="351235" y="82100"/>
+            <a:ext cx="11262949" cy="769441"/>
+          </a:xfrm>
+          <a:prstGeom prst="rect">
+            <a:avLst/>
+          </a:prstGeom>
+          <a:noFill/>
+        </p:spPr>
+        <p:txBody>
+          <a:bodyPr wrap="square" rtlCol="0">
+            <a:spAutoFit/>
+          </a:bodyPr>
+          <a:lstStyle/>
+          <a:p>
+            <a:pPr algn="ctr"/>
+            <a:r>
+              <a:rPr lang="pt-BR" sz="4400" b="1" dirty="0" smtClean="0">
+                <a:solidFill>
+                  <a:schemeClr val="bg1"/>
+                </a:solidFill>
+              </a:rPr>
+              <a:t>Desenho Solução</a:t>
+            </a:r>
+            <a:endParaRPr lang="pt-BR" sz="4400" b="1" dirty="0">
+              <a:solidFill>
+                <a:schemeClr val="bg1"/>
+              </a:solidFill>
+            </a:endParaRPr>
+          </a:p>
+        </p:txBody>
+      </p:sp>
+      <p:pic>
+        <p:nvPicPr>
+          <p:cNvPr id="8" name="Imagem 7"/>
           <p:cNvPicPr>
             <a:picLocks noChangeAspect="1"/>
           </p:cNvPicPr>
@@ -3149,54 +3460,14 @@
         </p:blipFill>
         <p:spPr>
           <a:xfrm>
-            <a:off x="464525" y="2000168"/>
-            <a:ext cx="11262949" cy="3922962"/>
+            <a:off x="953509" y="1027688"/>
+            <a:ext cx="10058400" cy="5657850"/>
           </a:xfrm>
           <a:prstGeom prst="rect">
             <a:avLst/>
           </a:prstGeom>
         </p:spPr>
       </p:pic>
-      <p:sp>
-        <p:nvSpPr>
-          <p:cNvPr id="6" name="TextBox 5">
-            <a:extLst>
-              <a:ext uri="{FF2B5EF4-FFF2-40B4-BE49-F238E27FC236}">
-                <a16:creationId xmlns:a16="http://schemas.microsoft.com/office/drawing/2014/main" id="{60406AC7-667D-4EB5-816E-F66F7E353017}"/>
-              </a:ext>
-            </a:extLst>
-          </p:cNvPr>
-          <p:cNvSpPr txBox="1"/>
-          <p:nvPr/>
-        </p:nvSpPr>
-        <p:spPr>
-          <a:xfrm>
-            <a:off x="464525" y="676275"/>
-            <a:ext cx="11262949" cy="769441"/>
-          </a:xfrm>
-          <a:prstGeom prst="rect">
-            <a:avLst/>
-          </a:prstGeom>
-          <a:noFill/>
-        </p:spPr>
-        <p:txBody>
-          <a:bodyPr wrap="square" rtlCol="0">
-            <a:spAutoFit/>
-          </a:bodyPr>
-          <a:lstStyle/>
-          <a:p>
-            <a:pPr algn="ctr"/>
-            <a:r>
-              <a:rPr lang="pt-BR" sz="4400" b="1" dirty="0">
-                <a:solidFill>
-                  <a:schemeClr val="bg1"/>
-                </a:solidFill>
-              </a:rPr>
-              <a:t>BPMN</a:t>
-            </a:r>
-          </a:p>
-        </p:txBody>
-      </p:sp>
     </p:spTree>
     <p:extLst>
       <p:ext uri="{BB962C8B-B14F-4D97-AF65-F5344CB8AC3E}">
@@ -3235,7 +3506,7 @@
         </p:nvSpPr>
         <p:spPr>
           <a:xfrm>
-            <a:off x="0" y="-2801"/>
+            <a:off x="0" y="0"/>
             <a:ext cx="12192000" cy="6858000"/>
           </a:xfrm>
           <a:prstGeom prst="rect">
@@ -3275,12 +3546,625 @@
           </a:p>
         </p:txBody>
       </p:sp>
+      <p:sp>
+        <p:nvSpPr>
+          <p:cNvPr id="6" name="TextBox 5">
+            <a:extLst>
+              <a:ext uri="{FF2B5EF4-FFF2-40B4-BE49-F238E27FC236}">
+                <a16:creationId xmlns:a16="http://schemas.microsoft.com/office/drawing/2014/main" xmlns="" id="{60406AC7-667D-4EB5-816E-F66F7E353017}"/>
+              </a:ext>
+            </a:extLst>
+          </p:cNvPr>
+          <p:cNvSpPr txBox="1"/>
+          <p:nvPr/>
+        </p:nvSpPr>
+        <p:spPr>
+          <a:xfrm>
+            <a:off x="351235" y="82100"/>
+            <a:ext cx="11262949" cy="769441"/>
+          </a:xfrm>
+          <a:prstGeom prst="rect">
+            <a:avLst/>
+          </a:prstGeom>
+          <a:noFill/>
+        </p:spPr>
+        <p:txBody>
+          <a:bodyPr wrap="square" rtlCol="0">
+            <a:spAutoFit/>
+          </a:bodyPr>
+          <a:lstStyle/>
+          <a:p>
+            <a:pPr algn="ctr"/>
+            <a:r>
+              <a:rPr lang="pt-BR" sz="4400" b="1" dirty="0" smtClean="0">
+                <a:solidFill>
+                  <a:schemeClr val="bg1"/>
+                </a:solidFill>
+              </a:rPr>
+              <a:t>Desenho Solução</a:t>
+            </a:r>
+            <a:endParaRPr lang="pt-BR" sz="4400" b="1" dirty="0">
+              <a:solidFill>
+                <a:schemeClr val="bg1"/>
+              </a:solidFill>
+            </a:endParaRPr>
+          </a:p>
+        </p:txBody>
+      </p:sp>
+      <p:pic>
+        <p:nvPicPr>
+          <p:cNvPr id="2" name="Imagem 1"/>
+          <p:cNvPicPr>
+            <a:picLocks noChangeAspect="1"/>
+          </p:cNvPicPr>
+          <p:nvPr/>
+        </p:nvPicPr>
+        <p:blipFill>
+          <a:blip r:embed="rId2">
+            <a:extLst>
+              <a:ext uri="{28A0092B-C50C-407E-A947-70E740481C1C}">
+                <a14:useLocalDpi xmlns:a14="http://schemas.microsoft.com/office/drawing/2010/main" val="0"/>
+              </a:ext>
+            </a:extLst>
+          </a:blip>
+          <a:stretch>
+            <a:fillRect/>
+          </a:stretch>
+        </p:blipFill>
+        <p:spPr>
+          <a:xfrm>
+            <a:off x="953509" y="938676"/>
+            <a:ext cx="10058400" cy="5657850"/>
+          </a:xfrm>
+          <a:prstGeom prst="rect">
+            <a:avLst/>
+          </a:prstGeom>
+        </p:spPr>
+      </p:pic>
+    </p:spTree>
+    <p:extLst>
+      <p:ext uri="{BB962C8B-B14F-4D97-AF65-F5344CB8AC3E}">
+        <p14:creationId xmlns:p14="http://schemas.microsoft.com/office/powerpoint/2010/main" val="3311434775"/>
+      </p:ext>
+    </p:extLst>
+  </p:cSld>
+  <p:clrMapOvr>
+    <a:masterClrMapping/>
+  </p:clrMapOvr>
+</p:sld>
+</file>
+
+<file path=ppt/slides/slide5.xml><?xml version="1.0" encoding="utf-8"?>
+<p:sld xmlns:a="http://schemas.openxmlformats.org/drawingml/2006/main" xmlns:r="http://schemas.openxmlformats.org/officeDocument/2006/relationships" xmlns:p="http://schemas.openxmlformats.org/presentationml/2006/main">
+  <p:cSld>
+    <p:spTree>
+      <p:nvGrpSpPr>
+        <p:cNvPr id="1" name=""/>
+        <p:cNvGrpSpPr/>
+        <p:nvPr/>
+      </p:nvGrpSpPr>
+      <p:grpSpPr>
+        <a:xfrm>
+          <a:off x="0" y="0"/>
+          <a:ext cx="0" cy="0"/>
+          <a:chOff x="0" y="0"/>
+          <a:chExt cx="0" cy="0"/>
+        </a:xfrm>
+      </p:grpSpPr>
+      <p:sp>
+        <p:nvSpPr>
+          <p:cNvPr id="4" name="Retângulo 3"/>
+          <p:cNvSpPr/>
+          <p:nvPr/>
+        </p:nvSpPr>
+        <p:spPr>
+          <a:xfrm>
+            <a:off x="0" y="0"/>
+            <a:ext cx="12192000" cy="6858000"/>
+          </a:xfrm>
+          <a:prstGeom prst="rect">
+            <a:avLst/>
+          </a:prstGeom>
+          <a:solidFill>
+            <a:schemeClr val="tx1"/>
+          </a:solidFill>
+          <a:ln>
+            <a:solidFill>
+              <a:schemeClr val="tx1"/>
+            </a:solidFill>
+          </a:ln>
+        </p:spPr>
+        <p:style>
+          <a:lnRef idx="2">
+            <a:schemeClr val="accent1">
+              <a:shade val="50000"/>
+            </a:schemeClr>
+          </a:lnRef>
+          <a:fillRef idx="1">
+            <a:schemeClr val="accent1"/>
+          </a:fillRef>
+          <a:effectRef idx="0">
+            <a:schemeClr val="accent1"/>
+          </a:effectRef>
+          <a:fontRef idx="minor">
+            <a:schemeClr val="lt1"/>
+          </a:fontRef>
+        </p:style>
+        <p:txBody>
+          <a:bodyPr rtlCol="0" anchor="ctr"/>
+          <a:lstStyle/>
+          <a:p>
+            <a:pPr algn="ctr"/>
+            <a:endParaRPr lang="pt-BR"/>
+          </a:p>
+        </p:txBody>
+      </p:sp>
+      <p:sp>
+        <p:nvSpPr>
+          <p:cNvPr id="6" name="TextBox 5">
+            <a:extLst>
+              <a:ext uri="{FF2B5EF4-FFF2-40B4-BE49-F238E27FC236}">
+                <a16:creationId xmlns:a16="http://schemas.microsoft.com/office/drawing/2014/main" xmlns="" id="{60406AC7-667D-4EB5-816E-F66F7E353017}"/>
+              </a:ext>
+            </a:extLst>
+          </p:cNvPr>
+          <p:cNvSpPr txBox="1"/>
+          <p:nvPr/>
+        </p:nvSpPr>
+        <p:spPr>
+          <a:xfrm>
+            <a:off x="351235" y="82100"/>
+            <a:ext cx="11262949" cy="769441"/>
+          </a:xfrm>
+          <a:prstGeom prst="rect">
+            <a:avLst/>
+          </a:prstGeom>
+          <a:noFill/>
+        </p:spPr>
+        <p:txBody>
+          <a:bodyPr wrap="square" rtlCol="0">
+            <a:spAutoFit/>
+          </a:bodyPr>
+          <a:lstStyle/>
+          <a:p>
+            <a:pPr algn="ctr"/>
+            <a:r>
+              <a:rPr lang="pt-BR" sz="4400" b="1" dirty="0" smtClean="0">
+                <a:solidFill>
+                  <a:schemeClr val="bg1"/>
+                </a:solidFill>
+              </a:rPr>
+              <a:t>Desenho Solução</a:t>
+            </a:r>
+            <a:endParaRPr lang="pt-BR" sz="4400" b="1" dirty="0">
+              <a:solidFill>
+                <a:schemeClr val="bg1"/>
+              </a:solidFill>
+            </a:endParaRPr>
+          </a:p>
+        </p:txBody>
+      </p:sp>
+      <p:pic>
+        <p:nvPicPr>
+          <p:cNvPr id="2" name="Imagem 1"/>
+          <p:cNvPicPr>
+            <a:picLocks noChangeAspect="1"/>
+          </p:cNvPicPr>
+          <p:nvPr/>
+        </p:nvPicPr>
+        <p:blipFill>
+          <a:blip r:embed="rId2">
+            <a:extLst>
+              <a:ext uri="{28A0092B-C50C-407E-A947-70E740481C1C}">
+                <a14:useLocalDpi xmlns:a14="http://schemas.microsoft.com/office/drawing/2010/main" val="0"/>
+              </a:ext>
+            </a:extLst>
+          </a:blip>
+          <a:stretch>
+            <a:fillRect/>
+          </a:stretch>
+        </p:blipFill>
+        <p:spPr>
+          <a:xfrm>
+            <a:off x="953509" y="1011505"/>
+            <a:ext cx="10058400" cy="5657850"/>
+          </a:xfrm>
+          <a:prstGeom prst="rect">
+            <a:avLst/>
+          </a:prstGeom>
+        </p:spPr>
+      </p:pic>
+    </p:spTree>
+    <p:extLst>
+      <p:ext uri="{BB962C8B-B14F-4D97-AF65-F5344CB8AC3E}">
+        <p14:creationId xmlns:p14="http://schemas.microsoft.com/office/powerpoint/2010/main" val="2499241465"/>
+      </p:ext>
+    </p:extLst>
+  </p:cSld>
+  <p:clrMapOvr>
+    <a:masterClrMapping/>
+  </p:clrMapOvr>
+</p:sld>
+</file>
+
+<file path=ppt/slides/slide6.xml><?xml version="1.0" encoding="utf-8"?>
+<p:sld xmlns:a="http://schemas.openxmlformats.org/drawingml/2006/main" xmlns:r="http://schemas.openxmlformats.org/officeDocument/2006/relationships" xmlns:p="http://schemas.openxmlformats.org/presentationml/2006/main">
+  <p:cSld>
+    <p:spTree>
+      <p:nvGrpSpPr>
+        <p:cNvPr id="1" name=""/>
+        <p:cNvGrpSpPr/>
+        <p:nvPr/>
+      </p:nvGrpSpPr>
+      <p:grpSpPr>
+        <a:xfrm>
+          <a:off x="0" y="0"/>
+          <a:ext cx="0" cy="0"/>
+          <a:chOff x="0" y="0"/>
+          <a:chExt cx="0" cy="0"/>
+        </a:xfrm>
+      </p:grpSpPr>
+      <p:sp>
+        <p:nvSpPr>
+          <p:cNvPr id="4" name="Retângulo 3"/>
+          <p:cNvSpPr/>
+          <p:nvPr/>
+        </p:nvSpPr>
+        <p:spPr>
+          <a:xfrm>
+            <a:off x="0" y="0"/>
+            <a:ext cx="12192000" cy="6858000"/>
+          </a:xfrm>
+          <a:prstGeom prst="rect">
+            <a:avLst/>
+          </a:prstGeom>
+          <a:solidFill>
+            <a:schemeClr val="tx1"/>
+          </a:solidFill>
+          <a:ln>
+            <a:solidFill>
+              <a:schemeClr val="tx1"/>
+            </a:solidFill>
+          </a:ln>
+        </p:spPr>
+        <p:style>
+          <a:lnRef idx="2">
+            <a:schemeClr val="accent1">
+              <a:shade val="50000"/>
+            </a:schemeClr>
+          </a:lnRef>
+          <a:fillRef idx="1">
+            <a:schemeClr val="accent1"/>
+          </a:fillRef>
+          <a:effectRef idx="0">
+            <a:schemeClr val="accent1"/>
+          </a:effectRef>
+          <a:fontRef idx="minor">
+            <a:schemeClr val="lt1"/>
+          </a:fontRef>
+        </p:style>
+        <p:txBody>
+          <a:bodyPr rtlCol="0" anchor="ctr"/>
+          <a:lstStyle/>
+          <a:p>
+            <a:pPr algn="ctr"/>
+            <a:endParaRPr lang="pt-BR"/>
+          </a:p>
+        </p:txBody>
+      </p:sp>
+      <p:sp>
+        <p:nvSpPr>
+          <p:cNvPr id="6" name="TextBox 5">
+            <a:extLst>
+              <a:ext uri="{FF2B5EF4-FFF2-40B4-BE49-F238E27FC236}">
+                <a16:creationId xmlns:a16="http://schemas.microsoft.com/office/drawing/2014/main" xmlns="" id="{60406AC7-667D-4EB5-816E-F66F7E353017}"/>
+              </a:ext>
+            </a:extLst>
+          </p:cNvPr>
+          <p:cNvSpPr txBox="1"/>
+          <p:nvPr/>
+        </p:nvSpPr>
+        <p:spPr>
+          <a:xfrm>
+            <a:off x="351235" y="82100"/>
+            <a:ext cx="11262949" cy="769441"/>
+          </a:xfrm>
+          <a:prstGeom prst="rect">
+            <a:avLst/>
+          </a:prstGeom>
+          <a:noFill/>
+        </p:spPr>
+        <p:txBody>
+          <a:bodyPr wrap="square" rtlCol="0">
+            <a:spAutoFit/>
+          </a:bodyPr>
+          <a:lstStyle/>
+          <a:p>
+            <a:pPr algn="ctr"/>
+            <a:r>
+              <a:rPr lang="pt-BR" sz="4400" b="1" dirty="0" smtClean="0">
+                <a:solidFill>
+                  <a:schemeClr val="bg1"/>
+                </a:solidFill>
+              </a:rPr>
+              <a:t>Desenho Solução</a:t>
+            </a:r>
+            <a:endParaRPr lang="pt-BR" sz="4400" b="1" dirty="0">
+              <a:solidFill>
+                <a:schemeClr val="bg1"/>
+              </a:solidFill>
+            </a:endParaRPr>
+          </a:p>
+        </p:txBody>
+      </p:sp>
+      <p:pic>
+        <p:nvPicPr>
+          <p:cNvPr id="2" name="Imagem 1"/>
+          <p:cNvPicPr>
+            <a:picLocks noChangeAspect="1"/>
+          </p:cNvPicPr>
+          <p:nvPr/>
+        </p:nvPicPr>
+        <p:blipFill>
+          <a:blip r:embed="rId2">
+            <a:extLst>
+              <a:ext uri="{28A0092B-C50C-407E-A947-70E740481C1C}">
+                <a14:useLocalDpi xmlns:a14="http://schemas.microsoft.com/office/drawing/2010/main" val="0"/>
+              </a:ext>
+            </a:extLst>
+          </a:blip>
+          <a:stretch>
+            <a:fillRect/>
+          </a:stretch>
+        </p:blipFill>
+        <p:spPr>
+          <a:xfrm>
+            <a:off x="953509" y="1124793"/>
+            <a:ext cx="10058400" cy="5657850"/>
+          </a:xfrm>
+          <a:prstGeom prst="rect">
+            <a:avLst/>
+          </a:prstGeom>
+        </p:spPr>
+      </p:pic>
+    </p:spTree>
+    <p:extLst>
+      <p:ext uri="{BB962C8B-B14F-4D97-AF65-F5344CB8AC3E}">
+        <p14:creationId xmlns:p14="http://schemas.microsoft.com/office/powerpoint/2010/main" val="1143037605"/>
+      </p:ext>
+    </p:extLst>
+  </p:cSld>
+  <p:clrMapOvr>
+    <a:masterClrMapping/>
+  </p:clrMapOvr>
+</p:sld>
+</file>
+
+<file path=ppt/slides/slide7.xml><?xml version="1.0" encoding="utf-8"?>
+<p:sld xmlns:a="http://schemas.openxmlformats.org/drawingml/2006/main" xmlns:r="http://schemas.openxmlformats.org/officeDocument/2006/relationships" xmlns:p="http://schemas.openxmlformats.org/presentationml/2006/main">
+  <p:cSld>
+    <p:spTree>
+      <p:nvGrpSpPr>
+        <p:cNvPr id="1" name=""/>
+        <p:cNvGrpSpPr/>
+        <p:nvPr/>
+      </p:nvGrpSpPr>
+      <p:grpSpPr>
+        <a:xfrm>
+          <a:off x="0" y="0"/>
+          <a:ext cx="0" cy="0"/>
+          <a:chOff x="0" y="0"/>
+          <a:chExt cx="0" cy="0"/>
+        </a:xfrm>
+      </p:grpSpPr>
+      <p:sp>
+        <p:nvSpPr>
+          <p:cNvPr id="4" name="Retângulo 3"/>
+          <p:cNvSpPr/>
+          <p:nvPr/>
+        </p:nvSpPr>
+        <p:spPr>
+          <a:xfrm>
+            <a:off x="0" y="0"/>
+            <a:ext cx="12192000" cy="6858000"/>
+          </a:xfrm>
+          <a:prstGeom prst="rect">
+            <a:avLst/>
+          </a:prstGeom>
+          <a:solidFill>
+            <a:schemeClr val="tx1"/>
+          </a:solidFill>
+          <a:ln>
+            <a:solidFill>
+              <a:schemeClr val="tx1"/>
+            </a:solidFill>
+          </a:ln>
+        </p:spPr>
+        <p:style>
+          <a:lnRef idx="2">
+            <a:schemeClr val="accent1">
+              <a:shade val="50000"/>
+            </a:schemeClr>
+          </a:lnRef>
+          <a:fillRef idx="1">
+            <a:schemeClr val="accent1"/>
+          </a:fillRef>
+          <a:effectRef idx="0">
+            <a:schemeClr val="accent1"/>
+          </a:effectRef>
+          <a:fontRef idx="minor">
+            <a:schemeClr val="lt1"/>
+          </a:fontRef>
+        </p:style>
+        <p:txBody>
+          <a:bodyPr rtlCol="0" anchor="ctr"/>
+          <a:lstStyle/>
+          <a:p>
+            <a:pPr algn="ctr"/>
+            <a:endParaRPr lang="pt-BR"/>
+          </a:p>
+        </p:txBody>
+      </p:sp>
+      <p:pic>
+        <p:nvPicPr>
+          <p:cNvPr id="5" name="Picture 4" descr="A close up of a map&#10;&#10;Description automatically generated">
+            <a:extLst>
+              <a:ext uri="{FF2B5EF4-FFF2-40B4-BE49-F238E27FC236}">
+                <a16:creationId xmlns:a16="http://schemas.microsoft.com/office/drawing/2014/main" xmlns="" id="{79835C6B-0333-4A6D-A066-CE9D76570976}"/>
+              </a:ext>
+            </a:extLst>
+          </p:cNvPr>
+          <p:cNvPicPr>
+            <a:picLocks noChangeAspect="1"/>
+          </p:cNvPicPr>
+          <p:nvPr/>
+        </p:nvPicPr>
+        <p:blipFill>
+          <a:blip r:embed="rId2">
+            <a:extLst>
+              <a:ext uri="{28A0092B-C50C-407E-A947-70E740481C1C}">
+                <a14:useLocalDpi xmlns:a14="http://schemas.microsoft.com/office/drawing/2010/main" val="0"/>
+              </a:ext>
+            </a:extLst>
+          </a:blip>
+          <a:stretch>
+            <a:fillRect/>
+          </a:stretch>
+        </p:blipFill>
+        <p:spPr>
+          <a:xfrm>
+            <a:off x="464525" y="2000168"/>
+            <a:ext cx="11262949" cy="3922962"/>
+          </a:xfrm>
+          <a:prstGeom prst="rect">
+            <a:avLst/>
+          </a:prstGeom>
+        </p:spPr>
+      </p:pic>
+      <p:sp>
+        <p:nvSpPr>
+          <p:cNvPr id="6" name="TextBox 5">
+            <a:extLst>
+              <a:ext uri="{FF2B5EF4-FFF2-40B4-BE49-F238E27FC236}">
+                <a16:creationId xmlns:a16="http://schemas.microsoft.com/office/drawing/2014/main" xmlns="" id="{60406AC7-667D-4EB5-816E-F66F7E353017}"/>
+              </a:ext>
+            </a:extLst>
+          </p:cNvPr>
+          <p:cNvSpPr txBox="1"/>
+          <p:nvPr/>
+        </p:nvSpPr>
+        <p:spPr>
+          <a:xfrm>
+            <a:off x="464525" y="676275"/>
+            <a:ext cx="11262949" cy="769441"/>
+          </a:xfrm>
+          <a:prstGeom prst="rect">
+            <a:avLst/>
+          </a:prstGeom>
+          <a:noFill/>
+        </p:spPr>
+        <p:txBody>
+          <a:bodyPr wrap="square" rtlCol="0">
+            <a:spAutoFit/>
+          </a:bodyPr>
+          <a:lstStyle/>
+          <a:p>
+            <a:pPr algn="ctr"/>
+            <a:r>
+              <a:rPr lang="pt-BR" sz="4400" b="1" dirty="0">
+                <a:solidFill>
+                  <a:schemeClr val="bg1"/>
+                </a:solidFill>
+              </a:rPr>
+              <a:t>BPMN</a:t>
+            </a:r>
+          </a:p>
+        </p:txBody>
+      </p:sp>
+    </p:spTree>
+    <p:extLst>
+      <p:ext uri="{BB962C8B-B14F-4D97-AF65-F5344CB8AC3E}">
+        <p14:creationId xmlns:p14="http://schemas.microsoft.com/office/powerpoint/2010/main" val="3551929866"/>
+      </p:ext>
+    </p:extLst>
+  </p:cSld>
+  <p:clrMapOvr>
+    <a:masterClrMapping/>
+  </p:clrMapOvr>
+</p:sld>
+</file>
+
+<file path=ppt/slides/slide8.xml><?xml version="1.0" encoding="utf-8"?>
+<p:sld xmlns:a="http://schemas.openxmlformats.org/drawingml/2006/main" xmlns:r="http://schemas.openxmlformats.org/officeDocument/2006/relationships" xmlns:p="http://schemas.openxmlformats.org/presentationml/2006/main">
+  <p:cSld>
+    <p:spTree>
+      <p:nvGrpSpPr>
+        <p:cNvPr id="1" name=""/>
+        <p:cNvGrpSpPr/>
+        <p:nvPr/>
+      </p:nvGrpSpPr>
+      <p:grpSpPr>
+        <a:xfrm>
+          <a:off x="0" y="0"/>
+          <a:ext cx="0" cy="0"/>
+          <a:chOff x="0" y="0"/>
+          <a:chExt cx="0" cy="0"/>
+        </a:xfrm>
+      </p:grpSpPr>
+      <p:sp>
+        <p:nvSpPr>
+          <p:cNvPr id="4" name="Retângulo 3"/>
+          <p:cNvSpPr/>
+          <p:nvPr/>
+        </p:nvSpPr>
+        <p:spPr>
+          <a:xfrm>
+            <a:off x="0" y="-2801"/>
+            <a:ext cx="12192000" cy="6858000"/>
+          </a:xfrm>
+          <a:prstGeom prst="rect">
+            <a:avLst/>
+          </a:prstGeom>
+          <a:solidFill>
+            <a:schemeClr val="tx1"/>
+          </a:solidFill>
+          <a:ln>
+            <a:solidFill>
+              <a:schemeClr val="tx1"/>
+            </a:solidFill>
+          </a:ln>
+        </p:spPr>
+        <p:style>
+          <a:lnRef idx="2">
+            <a:schemeClr val="accent1">
+              <a:shade val="50000"/>
+            </a:schemeClr>
+          </a:lnRef>
+          <a:fillRef idx="1">
+            <a:schemeClr val="accent1"/>
+          </a:fillRef>
+          <a:effectRef idx="0">
+            <a:schemeClr val="accent1"/>
+          </a:effectRef>
+          <a:fontRef idx="minor">
+            <a:schemeClr val="lt1"/>
+          </a:fontRef>
+        </p:style>
+        <p:txBody>
+          <a:bodyPr rtlCol="0" anchor="ctr"/>
+          <a:lstStyle/>
+          <a:p>
+            <a:pPr algn="ctr"/>
+            <a:endParaRPr lang="pt-BR"/>
+          </a:p>
+        </p:txBody>
+      </p:sp>
       <p:pic>
         <p:nvPicPr>
           <p:cNvPr id="5" name="Picture 4" descr="A screenshot of a cell phone&#10;&#10;Description automatically generated">
             <a:extLst>
               <a:ext uri="{FF2B5EF4-FFF2-40B4-BE49-F238E27FC236}">
-                <a16:creationId xmlns:a16="http://schemas.microsoft.com/office/drawing/2014/main" id="{86732C00-EC9E-486B-A068-C083A2D77291}"/>
+                <a16:creationId xmlns:a16="http://schemas.microsoft.com/office/drawing/2014/main" xmlns="" id="{86732C00-EC9E-486B-A068-C083A2D77291}"/>
               </a:ext>
             </a:extLst>
           </p:cNvPr>
@@ -3346,7 +4230,7 @@
           <p:cNvPr id="6" name="TextBox 5">
             <a:extLst>
               <a:ext uri="{FF2B5EF4-FFF2-40B4-BE49-F238E27FC236}">
-                <a16:creationId xmlns:a16="http://schemas.microsoft.com/office/drawing/2014/main" id="{E63639A5-B74D-458B-BA2E-44F6DDF23E1F}"/>
+                <a16:creationId xmlns:a16="http://schemas.microsoft.com/office/drawing/2014/main" xmlns="" id="{E63639A5-B74D-458B-BA2E-44F6DDF23E1F}"/>
               </a:ext>
             </a:extLst>
           </p:cNvPr>
@@ -3394,7 +4278,7 @@
 </p:sld>
 </file>
 
-<file path=ppt/slides/slide5.xml><?xml version="1.0" encoding="utf-8"?>
+<file path=ppt/slides/slide9.xml><?xml version="1.0" encoding="utf-8"?>
 <p:sld xmlns:a="http://schemas.openxmlformats.org/drawingml/2006/main" xmlns:r="http://schemas.openxmlformats.org/officeDocument/2006/relationships" xmlns:p="http://schemas.openxmlformats.org/presentationml/2006/main">
   <p:cSld>
     <p:spTree>
@@ -3674,274 +4558,6 @@
     <p:extLst>
       <p:ext uri="{BB962C8B-B14F-4D97-AF65-F5344CB8AC3E}">
         <p14:creationId xmlns:p14="http://schemas.microsoft.com/office/powerpoint/2010/main" val="1829587339"/>
-      </p:ext>
-    </p:extLst>
-  </p:cSld>
-  <p:clrMapOvr>
-    <a:masterClrMapping/>
-  </p:clrMapOvr>
-</p:sld>
-</file>
-
-<file path=ppt/slides/slide6.xml><?xml version="1.0" encoding="utf-8"?>
-<p:sld xmlns:a="http://schemas.openxmlformats.org/drawingml/2006/main" xmlns:r="http://schemas.openxmlformats.org/officeDocument/2006/relationships" xmlns:p="http://schemas.openxmlformats.org/presentationml/2006/main">
-  <p:cSld>
-    <p:spTree>
-      <p:nvGrpSpPr>
-        <p:cNvPr id="1" name=""/>
-        <p:cNvGrpSpPr/>
-        <p:nvPr/>
-      </p:nvGrpSpPr>
-      <p:grpSpPr>
-        <a:xfrm>
-          <a:off x="0" y="0"/>
-          <a:ext cx="0" cy="0"/>
-          <a:chOff x="0" y="0"/>
-          <a:chExt cx="0" cy="0"/>
-        </a:xfrm>
-      </p:grpSpPr>
-      <p:sp>
-        <p:nvSpPr>
-          <p:cNvPr id="4" name="Retângulo 3"/>
-          <p:cNvSpPr/>
-          <p:nvPr/>
-        </p:nvSpPr>
-        <p:spPr>
-          <a:xfrm>
-            <a:off x="0" y="0"/>
-            <a:ext cx="12192000" cy="6858000"/>
-          </a:xfrm>
-          <a:prstGeom prst="rect">
-            <a:avLst/>
-          </a:prstGeom>
-          <a:solidFill>
-            <a:schemeClr val="tx1"/>
-          </a:solidFill>
-          <a:ln>
-            <a:solidFill>
-              <a:schemeClr val="tx1"/>
-            </a:solidFill>
-          </a:ln>
-        </p:spPr>
-        <p:style>
-          <a:lnRef idx="2">
-            <a:schemeClr val="accent1">
-              <a:shade val="50000"/>
-            </a:schemeClr>
-          </a:lnRef>
-          <a:fillRef idx="1">
-            <a:schemeClr val="accent1"/>
-          </a:fillRef>
-          <a:effectRef idx="0">
-            <a:schemeClr val="accent1"/>
-          </a:effectRef>
-          <a:fontRef idx="minor">
-            <a:schemeClr val="lt1"/>
-          </a:fontRef>
-        </p:style>
-        <p:txBody>
-          <a:bodyPr rtlCol="0" anchor="ctr"/>
-          <a:lstStyle/>
-          <a:p>
-            <a:pPr algn="ctr"/>
-            <a:endParaRPr lang="pt-BR"/>
-          </a:p>
-        </p:txBody>
-      </p:sp>
-      <p:pic>
-        <p:nvPicPr>
-          <p:cNvPr id="2" name="Imagem 1"/>
-          <p:cNvPicPr>
-            <a:picLocks noChangeAspect="1"/>
-          </p:cNvPicPr>
-          <p:nvPr/>
-        </p:nvPicPr>
-        <p:blipFill>
-          <a:blip r:embed="rId2">
-            <a:extLst>
-              <a:ext uri="{28A0092B-C50C-407E-A947-70E740481C1C}">
-                <a14:useLocalDpi xmlns:a14="http://schemas.microsoft.com/office/drawing/2010/main" val="0"/>
-              </a:ext>
-            </a:extLst>
-          </a:blip>
-          <a:stretch>
-            <a:fillRect/>
-          </a:stretch>
-        </p:blipFill>
-        <p:spPr>
-          <a:xfrm>
-            <a:off x="1994915" y="728285"/>
-            <a:ext cx="8202170" cy="5401429"/>
-          </a:xfrm>
-          <a:prstGeom prst="rect">
-            <a:avLst/>
-          </a:prstGeom>
-          <a:ln w="190500" cap="sq">
-            <a:solidFill>
-              <a:srgbClr val="C8C6BD"/>
-            </a:solidFill>
-            <a:prstDash val="solid"/>
-            <a:miter lim="800000"/>
-          </a:ln>
-          <a:effectLst>
-            <a:outerShdw blurRad="254000" algn="bl" rotWithShape="0">
-              <a:srgbClr val="000000">
-                <a:alpha val="43000"/>
-              </a:srgbClr>
-            </a:outerShdw>
-          </a:effectLst>
-          <a:scene3d>
-            <a:camera prst="perspectiveFront" fov="5400000"/>
-            <a:lightRig rig="threePt" dir="t">
-              <a:rot lat="0" lon="0" rev="2100000"/>
-            </a:lightRig>
-          </a:scene3d>
-          <a:sp3d extrusionH="25400">
-            <a:bevelT w="304800" h="152400" prst="hardEdge"/>
-            <a:extrusionClr>
-              <a:srgbClr val="000000"/>
-            </a:extrusionClr>
-          </a:sp3d>
-        </p:spPr>
-      </p:pic>
-    </p:spTree>
-    <p:extLst>
-      <p:ext uri="{BB962C8B-B14F-4D97-AF65-F5344CB8AC3E}">
-        <p14:creationId xmlns:p14="http://schemas.microsoft.com/office/powerpoint/2010/main" val="2938301134"/>
-      </p:ext>
-    </p:extLst>
-  </p:cSld>
-  <p:clrMapOvr>
-    <a:masterClrMapping/>
-  </p:clrMapOvr>
-</p:sld>
-</file>
-
-<file path=ppt/slides/slide7.xml><?xml version="1.0" encoding="utf-8"?>
-<p:sld xmlns:a="http://schemas.openxmlformats.org/drawingml/2006/main" xmlns:r="http://schemas.openxmlformats.org/officeDocument/2006/relationships" xmlns:p="http://schemas.openxmlformats.org/presentationml/2006/main">
-  <p:cSld>
-    <p:spTree>
-      <p:nvGrpSpPr>
-        <p:cNvPr id="1" name=""/>
-        <p:cNvGrpSpPr/>
-        <p:nvPr/>
-      </p:nvGrpSpPr>
-      <p:grpSpPr>
-        <a:xfrm>
-          <a:off x="0" y="0"/>
-          <a:ext cx="0" cy="0"/>
-          <a:chOff x="0" y="0"/>
-          <a:chExt cx="0" cy="0"/>
-        </a:xfrm>
-      </p:grpSpPr>
-      <p:sp>
-        <p:nvSpPr>
-          <p:cNvPr id="4" name="Retângulo 3"/>
-          <p:cNvSpPr/>
-          <p:nvPr/>
-        </p:nvSpPr>
-        <p:spPr>
-          <a:xfrm>
-            <a:off x="0" y="0"/>
-            <a:ext cx="12192000" cy="6858000"/>
-          </a:xfrm>
-          <a:prstGeom prst="rect">
-            <a:avLst/>
-          </a:prstGeom>
-          <a:solidFill>
-            <a:schemeClr val="tx1"/>
-          </a:solidFill>
-          <a:ln>
-            <a:solidFill>
-              <a:schemeClr val="tx1"/>
-            </a:solidFill>
-          </a:ln>
-        </p:spPr>
-        <p:style>
-          <a:lnRef idx="2">
-            <a:schemeClr val="accent1">
-              <a:shade val="50000"/>
-            </a:schemeClr>
-          </a:lnRef>
-          <a:fillRef idx="1">
-            <a:schemeClr val="accent1"/>
-          </a:fillRef>
-          <a:effectRef idx="0">
-            <a:schemeClr val="accent1"/>
-          </a:effectRef>
-          <a:fontRef idx="minor">
-            <a:schemeClr val="lt1"/>
-          </a:fontRef>
-        </p:style>
-        <p:txBody>
-          <a:bodyPr rtlCol="0" anchor="ctr"/>
-          <a:lstStyle/>
-          <a:p>
-            <a:pPr algn="ctr"/>
-            <a:endParaRPr lang="pt-BR"/>
-          </a:p>
-        </p:txBody>
-      </p:sp>
-      <p:pic>
-        <p:nvPicPr>
-          <p:cNvPr id="2" name="Imagem 1"/>
-          <p:cNvPicPr>
-            <a:picLocks noChangeAspect="1"/>
-          </p:cNvPicPr>
-          <p:nvPr/>
-        </p:nvPicPr>
-        <p:blipFill>
-          <a:blip r:embed="rId2">
-            <a:extLst>
-              <a:ext uri="{28A0092B-C50C-407E-A947-70E740481C1C}">
-                <a14:useLocalDpi xmlns:a14="http://schemas.microsoft.com/office/drawing/2010/main" val="0"/>
-              </a:ext>
-            </a:extLst>
-          </a:blip>
-          <a:stretch>
-            <a:fillRect/>
-          </a:stretch>
-        </p:blipFill>
-        <p:spPr>
-          <a:xfrm>
-            <a:off x="2194968" y="794970"/>
-            <a:ext cx="7802064" cy="5268060"/>
-          </a:xfrm>
-          <a:prstGeom prst="rect">
-            <a:avLst/>
-          </a:prstGeom>
-          <a:ln w="190500" cap="sq">
-            <a:solidFill>
-              <a:srgbClr val="C8C6BD"/>
-            </a:solidFill>
-            <a:prstDash val="solid"/>
-            <a:miter lim="800000"/>
-          </a:ln>
-          <a:effectLst>
-            <a:outerShdw blurRad="254000" algn="bl" rotWithShape="0">
-              <a:srgbClr val="000000">
-                <a:alpha val="43000"/>
-              </a:srgbClr>
-            </a:outerShdw>
-          </a:effectLst>
-          <a:scene3d>
-            <a:camera prst="perspectiveFront" fov="5400000"/>
-            <a:lightRig rig="threePt" dir="t">
-              <a:rot lat="0" lon="0" rev="2100000"/>
-            </a:lightRig>
-          </a:scene3d>
-          <a:sp3d extrusionH="25400">
-            <a:bevelT w="304800" h="152400" prst="hardEdge"/>
-            <a:extrusionClr>
-              <a:srgbClr val="000000"/>
-            </a:extrusionClr>
-          </a:sp3d>
-        </p:spPr>
-      </p:pic>
-    </p:spTree>
-    <p:extLst>
-      <p:ext uri="{BB962C8B-B14F-4D97-AF65-F5344CB8AC3E}">
-        <p14:creationId xmlns:p14="http://schemas.microsoft.com/office/powerpoint/2010/main" val="2217880322"/>
       </p:ext>
     </p:extLst>
   </p:cSld>
@@ -3994,7 +4610,7 @@
     </a:clrScheme>
     <a:fontScheme name="Office">
       <a:majorFont>
-        <a:latin typeface="Calibri Light" panose="020F0302020204030204"/>
+        <a:latin typeface="Calibri Light"/>
         <a:ea typeface=""/>
         <a:cs typeface=""/>
         <a:font script="Jpan" typeface="游ゴシック Light"/>
@@ -4029,7 +4645,7 @@
         <a:font script="Geor" typeface="Sylfaen"/>
       </a:majorFont>
       <a:minorFont>
-        <a:latin typeface="Calibri" panose="020F0502020204030204"/>
+        <a:latin typeface="Calibri"/>
         <a:ea typeface=""/>
         <a:cs typeface=""/>
         <a:font script="Jpan" typeface="游ゴシック"/>
@@ -4206,7 +4822,7 @@
   <a:extraClrSchemeLst/>
   <a:extLst>
     <a:ext uri="{05A4C25C-085E-4340-85A3-A5531E510DB2}">
-      <thm15:themeFamily xmlns:thm15="http://schemas.microsoft.com/office/thememl/2012/main" name="Office Theme" id="{62F939B6-93AF-4DB8-9C6B-D6C7DFDC589F}" vid="{4A3C46E8-61CC-4603-A589-7422A47A8E4A}"/>
+      <thm15:themeFamily xmlns:thm15="http://schemas.microsoft.com/office/thememl/2012/main" xmlns="" name="Office Theme" id="{62F939B6-93AF-4DB8-9C6B-D6C7DFDC589F}" vid="{4A3C46E8-61CC-4603-A589-7422A47A8E4A}"/>
     </a:ext>
   </a:extLst>
 </a:theme>
